--- a/ADB.pptx
+++ b/ADB.pptx
@@ -3526,20 +3526,12 @@
           <a:p>
             <a:pPr algn="r"/>
             <a:r>
-              <a:rPr lang="en-US" sz="3600" dirty="0" err="1">
-                <a:latin typeface="Playfair Display" panose="00000500000000000000" pitchFamily="2" charset="-52"/>
-                <a:ea typeface="Lato" panose="020F0502020204030203" pitchFamily="34" charset="0"/>
-                <a:cs typeface="Lato" panose="020F0502020204030203" pitchFamily="34" charset="0"/>
-              </a:rPr>
-              <a:t>Agro</a:t>
-            </a:r>
-            <a:r>
               <a:rPr lang="en-US" sz="3600" dirty="0">
                 <a:latin typeface="Playfair Display" panose="00000500000000000000" pitchFamily="2" charset="-52"/>
                 <a:ea typeface="Lato" panose="020F0502020204030203" pitchFamily="34" charset="0"/>
                 <a:cs typeface="Lato" panose="020F0502020204030203" pitchFamily="34" charset="0"/>
               </a:rPr>
-              <a:t> Data Base (ADB)</a:t>
+              <a:t>Agri Data Base (ADB)</a:t>
             </a:r>
             <a:endParaRPr lang="ru-RU" sz="3600" dirty="0">
               <a:latin typeface="Playfair Display" panose="00000500000000000000" pitchFamily="2" charset="-52"/>
@@ -3929,20 +3921,12 @@
           <a:p>
             <a:pPr algn="ctr"/>
             <a:r>
-              <a:rPr lang="en-US" sz="1200" dirty="0" err="1">
-                <a:latin typeface="Roboto Light" panose="02000000000000000000" pitchFamily="2" charset="0"/>
-                <a:ea typeface="Roboto Light" panose="02000000000000000000" pitchFamily="2" charset="0"/>
-                <a:cs typeface="Roboto Light" panose="02000000000000000000" pitchFamily="2" charset="0"/>
-              </a:rPr>
-              <a:t>DmitrIy</a:t>
-            </a:r>
-            <a:r>
               <a:rPr lang="en-US" sz="1200" dirty="0">
                 <a:latin typeface="Roboto Light" panose="02000000000000000000" pitchFamily="2" charset="0"/>
                 <a:ea typeface="Roboto Light" panose="02000000000000000000" pitchFamily="2" charset="0"/>
                 <a:cs typeface="Roboto Light" panose="02000000000000000000" pitchFamily="2" charset="0"/>
               </a:rPr>
-              <a:t> P</a:t>
+              <a:t>Dmitriy P</a:t>
             </a:r>
             <a:endParaRPr lang="ru-RU" sz="1200" dirty="0">
               <a:latin typeface="Roboto Light" panose="02000000000000000000" pitchFamily="2" charset="0"/>
@@ -4072,20 +4056,12 @@
           <a:p>
             <a:pPr algn="ctr"/>
             <a:r>
-              <a:rPr lang="en-US" sz="1200" dirty="0" err="1">
-                <a:latin typeface="Roboto Light" panose="02000000000000000000" pitchFamily="2" charset="0"/>
-                <a:ea typeface="Roboto Light" panose="02000000000000000000" pitchFamily="2" charset="0"/>
-                <a:cs typeface="Roboto Light" panose="02000000000000000000" pitchFamily="2" charset="0"/>
-              </a:rPr>
-              <a:t>Aibek</a:t>
-            </a:r>
-            <a:r>
               <a:rPr lang="en-US" sz="1200" dirty="0">
                 <a:latin typeface="Roboto Light" panose="02000000000000000000" pitchFamily="2" charset="0"/>
                 <a:ea typeface="Roboto Light" panose="02000000000000000000" pitchFamily="2" charset="0"/>
                 <a:cs typeface="Roboto Light" panose="02000000000000000000" pitchFamily="2" charset="0"/>
               </a:rPr>
-              <a:t> Z</a:t>
+              <a:t>Aibek Z</a:t>
             </a:r>
             <a:endParaRPr lang="ru-RU" sz="1200" dirty="0">
               <a:latin typeface="Roboto Light" panose="02000000000000000000" pitchFamily="2" charset="0"/>
@@ -5306,8 +5282,8 @@
         </p:nvSpPr>
         <p:spPr>
           <a:xfrm>
-            <a:off x="6662463" y="3594392"/>
-            <a:ext cx="801519" cy="492443"/>
+            <a:off x="6523148" y="3429000"/>
+            <a:ext cx="1374517" cy="553998"/>
           </a:xfrm>
           <a:prstGeom prst="rect">
             <a:avLst/>
@@ -5338,14 +5314,13 @@
           <a:lstStyle/>
           <a:p>
             <a:r>
-              <a:rPr lang="en-US" sz="2600" dirty="0">
+              <a:rPr lang="en-US" sz="3000" b="1" dirty="0">
                 <a:latin typeface="Playfair Display" panose="00000500000000000000" pitchFamily="2" charset="-52"/>
                 <a:ea typeface="Roboto Light" panose="02000000000000000000" pitchFamily="2" charset="0"/>
-                <a:cs typeface="Roboto Light" panose="02000000000000000000" pitchFamily="2" charset="0"/>
               </a:rPr>
-              <a:t>APP</a:t>
-            </a:r>
-            <a:endParaRPr lang="ru-RU" sz="2600" dirty="0">
+              <a:t>ADB</a:t>
+            </a:r>
+            <a:endParaRPr lang="ru-RU" sz="3000" b="1" dirty="0">
               <a:latin typeface="Playfair Display" panose="00000500000000000000" pitchFamily="2" charset="-52"/>
             </a:endParaRPr>
           </a:p>
@@ -5660,24 +5635,6 @@
           <a:p>
             <a:pPr lvl="0"/>
             <a:r>
-              <a:rPr lang="en-US" sz="4400" dirty="0" err="1">
-                <a:solidFill>
-                  <a:srgbClr val="952534"/>
-                </a:solidFill>
-                <a:effectLst>
-                  <a:outerShdw blurRad="38100" dist="38100" dir="2700000" algn="tl">
-                    <a:srgbClr val="000000">
-                      <a:alpha val="43137"/>
-                    </a:srgbClr>
-                  </a:outerShdw>
-                </a:effectLst>
-                <a:latin typeface="Playfair Display" panose="00000500000000000000" pitchFamily="2" charset="-52"/>
-                <a:ea typeface="Lato" panose="020F0502020204030203" pitchFamily="34" charset="0"/>
-                <a:cs typeface="Lato" panose="020F0502020204030203" pitchFamily="34" charset="0"/>
-              </a:rPr>
-              <a:t>Agro</a:t>
-            </a:r>
-            <a:r>
               <a:rPr lang="en-US" sz="4400" dirty="0">
                 <a:solidFill>
                   <a:srgbClr val="952534"/>
@@ -5693,7 +5650,7 @@
                 <a:ea typeface="Lato" panose="020F0502020204030203" pitchFamily="34" charset="0"/>
                 <a:cs typeface="Lato" panose="020F0502020204030203" pitchFamily="34" charset="0"/>
               </a:rPr>
-              <a:t> Data Base (ADB)</a:t>
+              <a:t>Agri Data Base (ADB)</a:t>
             </a:r>
             <a:endParaRPr lang="ru-RU" dirty="0">
               <a:solidFill>
@@ -5773,7 +5730,7 @@
         </p:nvSpPr>
         <p:spPr>
           <a:xfrm>
-            <a:off x="-1645654" y="3904104"/>
+            <a:off x="-2226692" y="4204440"/>
             <a:ext cx="3007094" cy="2746332"/>
           </a:xfrm>
           <a:prstGeom prst="ellipse">
@@ -5825,7 +5782,7 @@
         </p:nvSpPr>
         <p:spPr>
           <a:xfrm rot="777905">
-            <a:off x="1896632" y="-1023010"/>
+            <a:off x="3412200" y="-1570248"/>
             <a:ext cx="3007094" cy="2746332"/>
           </a:xfrm>
           <a:prstGeom prst="ellipse">
@@ -5958,7 +5915,7 @@
                 <a:ea typeface="Roboto Light" panose="02000000000000000000" pitchFamily="2" charset="0"/>
                 <a:cs typeface="Roboto Light" panose="02000000000000000000" pitchFamily="2" charset="0"/>
               </a:rPr>
-              <a:t>The app gives you access to information about your fields and data about them from research institutes they can provide you with satellite images as well as natural risks in your area by water and climate conditions. </a:t>
+              <a:t>The app will give you access to information about your fields and data about them from research institutes they can provide you with satellite images as well as natural risks in your area by water and climate conditions. </a:t>
             </a:r>
             <a:endParaRPr lang="ru-RU" dirty="0">
               <a:latin typeface="Playfair Display" panose="00000500000000000000" pitchFamily="2" charset="-52"/>
@@ -6624,7 +6581,7 @@
         </p:nvSpPr>
         <p:spPr>
           <a:xfrm>
-            <a:off x="-225220" y="5496560"/>
+            <a:off x="-575148" y="5747451"/>
             <a:ext cx="1686719" cy="1469430"/>
           </a:xfrm>
           <a:prstGeom prst="ellipse">
@@ -7348,7 +7305,7 @@
         </p:nvSpPr>
         <p:spPr>
           <a:xfrm>
-            <a:off x="-1412107" y="0"/>
+            <a:off x="-2260401" y="-226243"/>
             <a:ext cx="3007094" cy="2746332"/>
           </a:xfrm>
           <a:prstGeom prst="ellipse">
@@ -10671,12 +10628,21 @@
 </file>
 
 <file path=customXml/item1.xml><?xml version="1.0" encoding="utf-8"?>
+<?mso-contentType ?>
+<FormTemplates xmlns="http://schemas.microsoft.com/sharepoint/v3/contenttype/forms">
+  <Display>DocumentLibraryForm</Display>
+  <Edit>DocumentLibraryForm</Edit>
+  <New>DocumentLibraryForm</New>
+</FormTemplates>
+</file>
+
+<file path=customXml/item2.xml><?xml version="1.0" encoding="utf-8"?>
 <p:properties xmlns:p="http://schemas.microsoft.com/office/2006/metadata/properties" xmlns:xsi="http://www.w3.org/2001/XMLSchema-instance" xmlns:pc="http://schemas.microsoft.com/office/infopath/2007/PartnerControls">
   <documentManagement/>
 </p:properties>
 </file>
 
-<file path=customXml/item2.xml><?xml version="1.0" encoding="utf-8"?>
+<file path=customXml/item3.xml><?xml version="1.0" encoding="utf-8"?>
 <ct:contentTypeSchema xmlns:ct="http://schemas.microsoft.com/office/2006/metadata/contentType" xmlns:ma="http://schemas.microsoft.com/office/2006/metadata/properties/metaAttributes" ct:_="" ma:_="" ma:contentTypeName="Document" ma:contentTypeID="0x01010016F5F2DC2A38DE4CA0E803147F5CAD09" ma:contentTypeVersion="5" ma:contentTypeDescription="Create a new document." ma:contentTypeScope="" ma:versionID="3f6fa928673fb0c2578878aff458f562">
   <xsd:schema xmlns:xsd="http://www.w3.org/2001/XMLSchema" xmlns:xs="http://www.w3.org/2001/XMLSchema" xmlns:p="http://schemas.microsoft.com/office/2006/metadata/properties" xmlns:ns3="f17227fc-b587-45d4-8aec-bb9c81c77121" targetNamespace="http://schemas.microsoft.com/office/2006/metadata/properties" ma:root="true" ma:fieldsID="8ac70717fb77c6e629410c7c0f05be24" ns3:_="">
     <xsd:import namespace="f17227fc-b587-45d4-8aec-bb9c81c77121"/>
@@ -10826,16 +10792,15 @@
 </ct:contentTypeSchema>
 </file>
 
-<file path=customXml/item3.xml><?xml version="1.0" encoding="utf-8"?>
-<?mso-contentType ?>
-<FormTemplates xmlns="http://schemas.microsoft.com/sharepoint/v3/contenttype/forms">
-  <Display>DocumentLibraryForm</Display>
-  <Edit>DocumentLibraryForm</Edit>
-  <New>DocumentLibraryForm</New>
-</FormTemplates>
+<file path=customXml/itemProps1.xml><?xml version="1.0" encoding="utf-8"?>
+<ds:datastoreItem xmlns:ds="http://schemas.openxmlformats.org/officeDocument/2006/customXml" ds:itemID="{EFCEA353-E090-4258-B18A-28305646B2B5}">
+  <ds:schemaRefs>
+    <ds:schemaRef ds:uri="http://schemas.microsoft.com/sharepoint/v3/contenttype/forms"/>
+  </ds:schemaRefs>
+</ds:datastoreItem>
 </file>
 
-<file path=customXml/itemProps1.xml><?xml version="1.0" encoding="utf-8"?>
+<file path=customXml/itemProps2.xml><?xml version="1.0" encoding="utf-8"?>
 <ds:datastoreItem xmlns:ds="http://schemas.openxmlformats.org/officeDocument/2006/customXml" ds:itemID="{CA0559BD-49AB-428F-9836-9C42B5A1FB4A}">
   <ds:schemaRefs>
     <ds:schemaRef ds:uri="http://www.w3.org/XML/1998/namespace"/>
@@ -10851,7 +10816,7 @@
 </ds:datastoreItem>
 </file>
 
-<file path=customXml/itemProps2.xml><?xml version="1.0" encoding="utf-8"?>
+<file path=customXml/itemProps3.xml><?xml version="1.0" encoding="utf-8"?>
 <ds:datastoreItem xmlns:ds="http://schemas.openxmlformats.org/officeDocument/2006/customXml" ds:itemID="{DE7FBF58-E5E9-4168-85C3-D3BDEA1468C7}">
   <ds:schemaRefs>
     <ds:schemaRef ds:uri="http://schemas.microsoft.com/office/2006/metadata/contentType"/>
@@ -10867,12 +10832,4 @@
     <ds:schemaRef ds:uri="http://schemas.microsoft.com/internal/obd"/>
   </ds:schemaRefs>
 </ds:datastoreItem>
-</file>
-
-<file path=customXml/itemProps3.xml><?xml version="1.0" encoding="utf-8"?>
-<ds:datastoreItem xmlns:ds="http://schemas.openxmlformats.org/officeDocument/2006/customXml" ds:itemID="{EFCEA353-E090-4258-B18A-28305646B2B5}">
-  <ds:schemaRefs>
-    <ds:schemaRef ds:uri="http://schemas.microsoft.com/sharepoint/v3/contenttype/forms"/>
-  </ds:schemaRefs>
-</ds:datastoreItem>
 </file>